--- a/SSLAB_FinalProject_2017440101.pptx
+++ b/SSLAB_FinalProject_2017440101.pptx
@@ -15,7 +15,7 @@
     <p:sldId id="263" r:id="rId9"/>
     <p:sldId id="264" r:id="rId10"/>
   </p:sldIdLst>
-  <p:sldSz cx="18288000" cy="10287000" type="screen4x3"/>
+  <p:sldSz cx="18288000" cy="10287000"/>
   <p:notesSz cx="10287000" cy="18288000"/>
   <p:defaultTextStyle>
     <a:defPPr>
@@ -114,7 +114,18 @@
   </p:defaultTextStyle>
   <p:extLst>
     <p:ext uri="{EFAFB233-063F-42B5-8137-9DF3F51BA10A}">
-      <p15:sldGuideLst xmlns:p15="http://schemas.microsoft.com/office/powerpoint/2012/main"/>
+      <p15:sldGuideLst xmlns:p15="http://schemas.microsoft.com/office/powerpoint/2012/main">
+        <p15:guide id="1" orient="horz" pos="2160">
+          <p15:clr>
+            <a:srgbClr val="A4A3A4"/>
+          </p15:clr>
+        </p15:guide>
+        <p15:guide id="2" pos="2880">
+          <p15:clr>
+            <a:srgbClr val="A4A3A4"/>
+          </p15:clr>
+        </p15:guide>
+      </p15:sldGuideLst>
     </p:ext>
   </p:extLst>
 </p:presentation>
@@ -158,10 +169,9 @@
           <a:lstStyle/>
           <a:p>
             <a:r>
-              <a:rPr lang="en-US" smtClean="0"/>
+              <a:rPr lang="en-US"/>
               <a:t>Click to edit Master title style</a:t>
             </a:r>
-            <a:endParaRPr lang="en-US"/>
           </a:p>
         </p:txBody>
       </p:sp>
@@ -277,10 +287,9 @@
           </a:lstStyle>
           <a:p>
             <a:r>
-              <a:rPr lang="en-US" smtClean="0"/>
+              <a:rPr lang="en-US"/>
               <a:t>Click to edit Master subtitle style</a:t>
             </a:r>
-            <a:endParaRPr lang="en-US"/>
           </a:p>
         </p:txBody>
       </p:sp>
@@ -301,7 +310,7 @@
           <a:p>
             <a:fld id="{F8166F1F-CE9B-4651-A6AA-CD717754106B}" type="datetimeFigureOut">
               <a:rPr lang="en-US" smtClean="0"/>
-              <a:t>12/13/2021</a:t>
+              <a:t>12/14/2021</a:t>
             </a:fld>
             <a:endParaRPr lang="en-US"/>
           </a:p>
@@ -390,10 +399,9 @@
           <a:lstStyle/>
           <a:p>
             <a:r>
-              <a:rPr lang="en-US" smtClean="0"/>
+              <a:rPr lang="en-US"/>
               <a:t>Click to edit Master title style</a:t>
             </a:r>
-            <a:endParaRPr lang="en-US"/>
           </a:p>
         </p:txBody>
       </p:sp>
@@ -414,38 +422,37 @@
           <a:p>
             <a:pPr lvl="0"/>
             <a:r>
-              <a:rPr lang="en-US" smtClean="0"/>
+              <a:rPr lang="en-US"/>
               <a:t>Click to edit Master text styles</a:t>
             </a:r>
           </a:p>
           <a:p>
             <a:pPr lvl="1"/>
             <a:r>
-              <a:rPr lang="en-US" smtClean="0"/>
+              <a:rPr lang="en-US"/>
               <a:t>Second level</a:t>
             </a:r>
           </a:p>
           <a:p>
             <a:pPr lvl="2"/>
             <a:r>
-              <a:rPr lang="en-US" smtClean="0"/>
+              <a:rPr lang="en-US"/>
               <a:t>Third level</a:t>
             </a:r>
           </a:p>
           <a:p>
             <a:pPr lvl="3"/>
             <a:r>
-              <a:rPr lang="en-US" smtClean="0"/>
+              <a:rPr lang="en-US"/>
               <a:t>Fourth level</a:t>
             </a:r>
           </a:p>
           <a:p>
             <a:pPr lvl="4"/>
             <a:r>
-              <a:rPr lang="en-US" smtClean="0"/>
+              <a:rPr lang="en-US"/>
               <a:t>Fifth level</a:t>
             </a:r>
-            <a:endParaRPr lang="en-US"/>
           </a:p>
         </p:txBody>
       </p:sp>
@@ -466,7 +473,7 @@
           <a:p>
             <a:fld id="{A76116CE-C4A3-4A05-B2D7-7C2E9A889C0F}" type="datetimeFigureOut">
               <a:rPr lang="en-US" smtClean="0"/>
-              <a:t>1/30/2017</a:t>
+              <a:t>12/14/2021</a:t>
             </a:fld>
             <a:endParaRPr lang="en-US"/>
           </a:p>
@@ -560,10 +567,9 @@
           <a:lstStyle/>
           <a:p>
             <a:r>
-              <a:rPr lang="en-US" smtClean="0"/>
+              <a:rPr lang="en-US"/>
               <a:t>Click to edit Master title style</a:t>
             </a:r>
-            <a:endParaRPr lang="en-US"/>
           </a:p>
         </p:txBody>
       </p:sp>
@@ -589,38 +595,37 @@
           <a:p>
             <a:pPr lvl="0"/>
             <a:r>
-              <a:rPr lang="en-US" smtClean="0"/>
+              <a:rPr lang="en-US"/>
               <a:t>Click to edit Master text styles</a:t>
             </a:r>
           </a:p>
           <a:p>
             <a:pPr lvl="1"/>
             <a:r>
-              <a:rPr lang="en-US" smtClean="0"/>
+              <a:rPr lang="en-US"/>
               <a:t>Second level</a:t>
             </a:r>
           </a:p>
           <a:p>
             <a:pPr lvl="2"/>
             <a:r>
-              <a:rPr lang="en-US" smtClean="0"/>
+              <a:rPr lang="en-US"/>
               <a:t>Third level</a:t>
             </a:r>
           </a:p>
           <a:p>
             <a:pPr lvl="3"/>
             <a:r>
-              <a:rPr lang="en-US" smtClean="0"/>
+              <a:rPr lang="en-US"/>
               <a:t>Fourth level</a:t>
             </a:r>
           </a:p>
           <a:p>
             <a:pPr lvl="4"/>
             <a:r>
-              <a:rPr lang="en-US" smtClean="0"/>
+              <a:rPr lang="en-US"/>
               <a:t>Fifth level</a:t>
             </a:r>
-            <a:endParaRPr lang="en-US"/>
           </a:p>
         </p:txBody>
       </p:sp>
@@ -641,7 +646,7 @@
           <a:p>
             <a:fld id="{A76116CE-C4A3-4A05-B2D7-7C2E9A889C0F}" type="datetimeFigureOut">
               <a:rPr lang="en-US" smtClean="0"/>
-              <a:t>1/30/2017</a:t>
+              <a:t>12/14/2021</a:t>
             </a:fld>
             <a:endParaRPr lang="en-US"/>
           </a:p>
@@ -730,10 +735,9 @@
           <a:lstStyle/>
           <a:p>
             <a:r>
-              <a:rPr lang="en-US" smtClean="0"/>
+              <a:rPr lang="en-US"/>
               <a:t>Click to edit Master title style</a:t>
             </a:r>
-            <a:endParaRPr lang="en-US"/>
           </a:p>
         </p:txBody>
       </p:sp>
@@ -756,38 +760,37 @@
               <a:buChar char="•"/>
             </a:pPr>
             <a:r>
-              <a:rPr lang="en-US" smtClean="0"/>
+              <a:rPr lang="en-US"/>
               <a:t>Click to edit Master text styles</a:t>
             </a:r>
           </a:p>
           <a:p>
             <a:pPr lvl="1"/>
             <a:r>
-              <a:rPr lang="en-US" smtClean="0"/>
+              <a:rPr lang="en-US"/>
               <a:t>Second level</a:t>
             </a:r>
           </a:p>
           <a:p>
             <a:pPr lvl="2"/>
             <a:r>
-              <a:rPr lang="en-US" smtClean="0"/>
+              <a:rPr lang="en-US"/>
               <a:t>Third level</a:t>
             </a:r>
           </a:p>
           <a:p>
             <a:pPr lvl="3"/>
             <a:r>
-              <a:rPr lang="en-US" smtClean="0"/>
+              <a:rPr lang="en-US"/>
               <a:t>Fourth level</a:t>
             </a:r>
           </a:p>
           <a:p>
             <a:pPr lvl="4"/>
             <a:r>
-              <a:rPr lang="en-US" smtClean="0"/>
+              <a:rPr lang="en-US"/>
               <a:t>Fifth level</a:t>
             </a:r>
-            <a:endParaRPr lang="en-US"/>
           </a:p>
         </p:txBody>
       </p:sp>
@@ -808,7 +811,7 @@
           <a:p>
             <a:fld id="{A76116CE-C4A3-4A05-B2D7-7C2E9A889C0F}" type="datetimeFigureOut">
               <a:rPr lang="en-US" smtClean="0"/>
-              <a:t>12/13/2021</a:t>
+              <a:t>12/14/2021</a:t>
             </a:fld>
             <a:endParaRPr lang="en-US"/>
           </a:p>
@@ -906,10 +909,9 @@
           </a:lstStyle>
           <a:p>
             <a:r>
-              <a:rPr lang="en-US" smtClean="0"/>
+              <a:rPr lang="en-US"/>
               <a:t>Click to edit Master title style</a:t>
             </a:r>
-            <a:endParaRPr lang="en-US"/>
           </a:p>
         </p:txBody>
       </p:sp>
@@ -1026,7 +1028,7 @@
           <a:p>
             <a:pPr lvl="0"/>
             <a:r>
-              <a:rPr lang="en-US" smtClean="0"/>
+              <a:rPr lang="en-US"/>
               <a:t>Click to edit Master text styles</a:t>
             </a:r>
           </a:p>
@@ -1049,7 +1051,7 @@
           <a:p>
             <a:fld id="{A76116CE-C4A3-4A05-B2D7-7C2E9A889C0F}" type="datetimeFigureOut">
               <a:rPr lang="en-US" smtClean="0"/>
-              <a:t>12/13/2021</a:t>
+              <a:t>12/14/2021</a:t>
             </a:fld>
             <a:endParaRPr lang="en-US"/>
           </a:p>
@@ -1138,10 +1140,9 @@
           <a:lstStyle/>
           <a:p>
             <a:r>
-              <a:rPr lang="en-US" smtClean="0"/>
+              <a:rPr lang="en-US"/>
               <a:t>Click to edit Master title style</a:t>
             </a:r>
-            <a:endParaRPr lang="en-US"/>
           </a:p>
         </p:txBody>
       </p:sp>
@@ -1195,38 +1196,37 @@
           <a:p>
             <a:pPr lvl="0"/>
             <a:r>
-              <a:rPr lang="en-US" smtClean="0"/>
+              <a:rPr lang="en-US"/>
               <a:t>Click to edit Master text styles</a:t>
             </a:r>
           </a:p>
           <a:p>
             <a:pPr lvl="1"/>
             <a:r>
-              <a:rPr lang="en-US" smtClean="0"/>
+              <a:rPr lang="en-US"/>
               <a:t>Second level</a:t>
             </a:r>
           </a:p>
           <a:p>
             <a:pPr lvl="2"/>
             <a:r>
-              <a:rPr lang="en-US" smtClean="0"/>
+              <a:rPr lang="en-US"/>
               <a:t>Third level</a:t>
             </a:r>
           </a:p>
           <a:p>
             <a:pPr lvl="3"/>
             <a:r>
-              <a:rPr lang="en-US" smtClean="0"/>
+              <a:rPr lang="en-US"/>
               <a:t>Fourth level</a:t>
             </a:r>
           </a:p>
           <a:p>
             <a:pPr lvl="4"/>
             <a:r>
-              <a:rPr lang="en-US" smtClean="0"/>
+              <a:rPr lang="en-US"/>
               <a:t>Fifth level</a:t>
             </a:r>
-            <a:endParaRPr lang="en-US"/>
           </a:p>
         </p:txBody>
       </p:sp>
@@ -1280,38 +1280,37 @@
           <a:p>
             <a:pPr lvl="0"/>
             <a:r>
-              <a:rPr lang="en-US" smtClean="0"/>
+              <a:rPr lang="en-US"/>
               <a:t>Click to edit Master text styles</a:t>
             </a:r>
           </a:p>
           <a:p>
             <a:pPr lvl="1"/>
             <a:r>
-              <a:rPr lang="en-US" smtClean="0"/>
+              <a:rPr lang="en-US"/>
               <a:t>Second level</a:t>
             </a:r>
           </a:p>
           <a:p>
             <a:pPr lvl="2"/>
             <a:r>
-              <a:rPr lang="en-US" smtClean="0"/>
+              <a:rPr lang="en-US"/>
               <a:t>Third level</a:t>
             </a:r>
           </a:p>
           <a:p>
             <a:pPr lvl="3"/>
             <a:r>
-              <a:rPr lang="en-US" smtClean="0"/>
+              <a:rPr lang="en-US"/>
               <a:t>Fourth level</a:t>
             </a:r>
           </a:p>
           <a:p>
             <a:pPr lvl="4"/>
             <a:r>
-              <a:rPr lang="en-US" smtClean="0"/>
+              <a:rPr lang="en-US"/>
               <a:t>Fifth level</a:t>
             </a:r>
-            <a:endParaRPr lang="en-US"/>
           </a:p>
         </p:txBody>
       </p:sp>
@@ -1332,7 +1331,7 @@
           <a:p>
             <a:fld id="{A76116CE-C4A3-4A05-B2D7-7C2E9A889C0F}" type="datetimeFigureOut">
               <a:rPr lang="en-US" smtClean="0"/>
-              <a:t>1/30/2017</a:t>
+              <a:t>12/14/2021</a:t>
             </a:fld>
             <a:endParaRPr lang="en-US"/>
           </a:p>
@@ -1425,10 +1424,9 @@
           </a:lstStyle>
           <a:p>
             <a:r>
-              <a:rPr lang="en-US" smtClean="0"/>
+              <a:rPr lang="en-US"/>
               <a:t>Click to edit Master title style</a:t>
             </a:r>
-            <a:endParaRPr lang="en-US"/>
           </a:p>
         </p:txBody>
       </p:sp>
@@ -1491,7 +1489,7 @@
           <a:p>
             <a:pPr lvl="0"/>
             <a:r>
-              <a:rPr lang="en-US" smtClean="0"/>
+              <a:rPr lang="en-US"/>
               <a:t>Click to edit Master text styles</a:t>
             </a:r>
           </a:p>
@@ -1547,38 +1545,37 @@
           <a:p>
             <a:pPr lvl="0"/>
             <a:r>
-              <a:rPr lang="en-US" smtClean="0"/>
+              <a:rPr lang="en-US"/>
               <a:t>Click to edit Master text styles</a:t>
             </a:r>
           </a:p>
           <a:p>
             <a:pPr lvl="1"/>
             <a:r>
-              <a:rPr lang="en-US" smtClean="0"/>
+              <a:rPr lang="en-US"/>
               <a:t>Second level</a:t>
             </a:r>
           </a:p>
           <a:p>
             <a:pPr lvl="2"/>
             <a:r>
-              <a:rPr lang="en-US" smtClean="0"/>
+              <a:rPr lang="en-US"/>
               <a:t>Third level</a:t>
             </a:r>
           </a:p>
           <a:p>
             <a:pPr lvl="3"/>
             <a:r>
-              <a:rPr lang="en-US" smtClean="0"/>
+              <a:rPr lang="en-US"/>
               <a:t>Fourth level</a:t>
             </a:r>
           </a:p>
           <a:p>
             <a:pPr lvl="4"/>
             <a:r>
-              <a:rPr lang="en-US" smtClean="0"/>
+              <a:rPr lang="en-US"/>
               <a:t>Fifth level</a:t>
             </a:r>
-            <a:endParaRPr lang="en-US"/>
           </a:p>
         </p:txBody>
       </p:sp>
@@ -1641,7 +1638,7 @@
           <a:p>
             <a:pPr lvl="0"/>
             <a:r>
-              <a:rPr lang="en-US" smtClean="0"/>
+              <a:rPr lang="en-US"/>
               <a:t>Click to edit Master text styles</a:t>
             </a:r>
           </a:p>
@@ -1697,38 +1694,37 @@
           <a:p>
             <a:pPr lvl="0"/>
             <a:r>
-              <a:rPr lang="en-US" smtClean="0"/>
+              <a:rPr lang="en-US"/>
               <a:t>Click to edit Master text styles</a:t>
             </a:r>
           </a:p>
           <a:p>
             <a:pPr lvl="1"/>
             <a:r>
-              <a:rPr lang="en-US" smtClean="0"/>
+              <a:rPr lang="en-US"/>
               <a:t>Second level</a:t>
             </a:r>
           </a:p>
           <a:p>
             <a:pPr lvl="2"/>
             <a:r>
-              <a:rPr lang="en-US" smtClean="0"/>
+              <a:rPr lang="en-US"/>
               <a:t>Third level</a:t>
             </a:r>
           </a:p>
           <a:p>
             <a:pPr lvl="3"/>
             <a:r>
-              <a:rPr lang="en-US" smtClean="0"/>
+              <a:rPr lang="en-US"/>
               <a:t>Fourth level</a:t>
             </a:r>
           </a:p>
           <a:p>
             <a:pPr lvl="4"/>
             <a:r>
-              <a:rPr lang="en-US" smtClean="0"/>
+              <a:rPr lang="en-US"/>
               <a:t>Fifth level</a:t>
             </a:r>
-            <a:endParaRPr lang="en-US"/>
           </a:p>
         </p:txBody>
       </p:sp>
@@ -1749,7 +1745,7 @@
           <a:p>
             <a:fld id="{A76116CE-C4A3-4A05-B2D7-7C2E9A889C0F}" type="datetimeFigureOut">
               <a:rPr lang="en-US" smtClean="0"/>
-              <a:t>1/30/2017</a:t>
+              <a:t>12/14/2021</a:t>
             </a:fld>
             <a:endParaRPr lang="en-US"/>
           </a:p>
@@ -1838,10 +1834,9 @@
           <a:lstStyle/>
           <a:p>
             <a:r>
-              <a:rPr lang="en-US" smtClean="0"/>
+              <a:rPr lang="en-US"/>
               <a:t>Click to edit Master title style</a:t>
             </a:r>
-            <a:endParaRPr lang="en-US"/>
           </a:p>
         </p:txBody>
       </p:sp>
@@ -1862,7 +1857,7 @@
           <a:p>
             <a:fld id="{A76116CE-C4A3-4A05-B2D7-7C2E9A889C0F}" type="datetimeFigureOut">
               <a:rPr lang="en-US" smtClean="0"/>
-              <a:t>1/30/2017</a:t>
+              <a:t>12/14/2021</a:t>
             </a:fld>
             <a:endParaRPr lang="en-US"/>
           </a:p>
@@ -1952,7 +1947,7 @@
           <a:p>
             <a:fld id="{A76116CE-C4A3-4A05-B2D7-7C2E9A889C0F}" type="datetimeFigureOut">
               <a:rPr lang="en-US" smtClean="0"/>
-              <a:t>1/30/2017</a:t>
+              <a:t>12/14/2021</a:t>
             </a:fld>
             <a:endParaRPr lang="en-US"/>
           </a:p>
@@ -2050,10 +2045,9 @@
           </a:lstStyle>
           <a:p>
             <a:r>
-              <a:rPr lang="en-US" smtClean="0"/>
+              <a:rPr lang="en-US"/>
               <a:t>Click to edit Master title style</a:t>
             </a:r>
-            <a:endParaRPr lang="en-US"/>
           </a:p>
         </p:txBody>
       </p:sp>
@@ -2107,38 +2101,37 @@
           <a:p>
             <a:pPr lvl="0"/>
             <a:r>
-              <a:rPr lang="en-US" smtClean="0"/>
+              <a:rPr lang="en-US"/>
               <a:t>Click to edit Master text styles</a:t>
             </a:r>
           </a:p>
           <a:p>
             <a:pPr lvl="1"/>
             <a:r>
-              <a:rPr lang="en-US" smtClean="0"/>
+              <a:rPr lang="en-US"/>
               <a:t>Second level</a:t>
             </a:r>
           </a:p>
           <a:p>
             <a:pPr lvl="2"/>
             <a:r>
-              <a:rPr lang="en-US" smtClean="0"/>
+              <a:rPr lang="en-US"/>
               <a:t>Third level</a:t>
             </a:r>
           </a:p>
           <a:p>
             <a:pPr lvl="3"/>
             <a:r>
-              <a:rPr lang="en-US" smtClean="0"/>
+              <a:rPr lang="en-US"/>
               <a:t>Fourth level</a:t>
             </a:r>
           </a:p>
           <a:p>
             <a:pPr lvl="4"/>
             <a:r>
-              <a:rPr lang="en-US" smtClean="0"/>
+              <a:rPr lang="en-US"/>
               <a:t>Fifth level</a:t>
             </a:r>
-            <a:endParaRPr lang="en-US"/>
           </a:p>
         </p:txBody>
       </p:sp>
@@ -2201,7 +2194,7 @@
           <a:p>
             <a:pPr lvl="0"/>
             <a:r>
-              <a:rPr lang="en-US" smtClean="0"/>
+              <a:rPr lang="en-US"/>
               <a:t>Click to edit Master text styles</a:t>
             </a:r>
           </a:p>
@@ -2224,7 +2217,7 @@
           <a:p>
             <a:fld id="{A76116CE-C4A3-4A05-B2D7-7C2E9A889C0F}" type="datetimeFigureOut">
               <a:rPr lang="en-US" smtClean="0"/>
-              <a:t>1/30/2017</a:t>
+              <a:t>12/14/2021</a:t>
             </a:fld>
             <a:endParaRPr lang="en-US"/>
           </a:p>
@@ -2322,10 +2315,9 @@
           </a:lstStyle>
           <a:p>
             <a:r>
-              <a:rPr lang="en-US" smtClean="0"/>
+              <a:rPr lang="en-US"/>
               <a:t>Click to edit Master title style</a:t>
             </a:r>
-            <a:endParaRPr lang="en-US"/>
           </a:p>
         </p:txBody>
       </p:sp>
@@ -2449,7 +2441,7 @@
           <a:p>
             <a:pPr lvl="0"/>
             <a:r>
-              <a:rPr lang="en-US" smtClean="0"/>
+              <a:rPr lang="en-US"/>
               <a:t>Click to edit Master text styles</a:t>
             </a:r>
           </a:p>
@@ -2472,7 +2464,7 @@
           <a:p>
             <a:fld id="{A76116CE-C4A3-4A05-B2D7-7C2E9A889C0F}" type="datetimeFigureOut">
               <a:rPr lang="en-US" smtClean="0"/>
-              <a:t>1/30/2017</a:t>
+              <a:t>12/14/2021</a:t>
             </a:fld>
             <a:endParaRPr lang="en-US"/>
           </a:p>
@@ -2576,10 +2568,9 @@
           <a:lstStyle/>
           <a:p>
             <a:r>
-              <a:rPr lang="en-US" smtClean="0"/>
+              <a:rPr lang="en-US"/>
               <a:t>Click to edit Master title style</a:t>
             </a:r>
-            <a:endParaRPr lang="en-US"/>
           </a:p>
         </p:txBody>
       </p:sp>
@@ -2610,38 +2601,37 @@
           <a:p>
             <a:pPr lvl="0"/>
             <a:r>
-              <a:rPr lang="en-US" smtClean="0"/>
+              <a:rPr lang="en-US"/>
               <a:t>Click to edit Master text styles</a:t>
             </a:r>
           </a:p>
           <a:p>
             <a:pPr lvl="1"/>
             <a:r>
-              <a:rPr lang="en-US" smtClean="0"/>
+              <a:rPr lang="en-US"/>
               <a:t>Second level</a:t>
             </a:r>
           </a:p>
           <a:p>
             <a:pPr lvl="2"/>
             <a:r>
-              <a:rPr lang="en-US" smtClean="0"/>
+              <a:rPr lang="en-US"/>
               <a:t>Third level</a:t>
             </a:r>
           </a:p>
           <a:p>
             <a:pPr lvl="3"/>
             <a:r>
-              <a:rPr lang="en-US" smtClean="0"/>
+              <a:rPr lang="en-US"/>
               <a:t>Fourth level</a:t>
             </a:r>
           </a:p>
           <a:p>
             <a:pPr lvl="4"/>
             <a:r>
-              <a:rPr lang="en-US" smtClean="0"/>
+              <a:rPr lang="en-US"/>
               <a:t>Fifth level</a:t>
             </a:r>
-            <a:endParaRPr lang="en-US"/>
           </a:p>
         </p:txBody>
       </p:sp>
@@ -2680,7 +2670,7 @@
           <a:p>
             <a:fld id="{F8166F1F-CE9B-4651-A6AA-CD717754106B}" type="datetimeFigureOut">
               <a:rPr lang="en-US" smtClean="0"/>
-              <a:t>6/13/2013</a:t>
+              <a:t>12/14/2021</a:t>
             </a:fld>
             <a:endParaRPr lang="en-US"/>
           </a:p>
@@ -2758,7 +2748,7 @@
           <a:p>
             <a:fld id="{F7021451-1387-4CA6-816F-3879F97B5CBC}" type="slidenum">
               <a:rPr lang="en-US" smtClean="0"/>
-              <a:t>�#�</a:t>
+              <a:t>‹#›</a:t>
             </a:fld>
             <a:endParaRPr lang="en-US"/>
           </a:p>
@@ -2769,16 +2759,16 @@
   <p:clrMap bg1="lt1" tx1="dk1" bg2="lt2" tx2="dk2" accent1="accent1" accent2="accent2" accent3="accent3" accent4="accent4" accent5="accent5" accent6="accent6" hlink="hlink" folHlink="folHlink"/>
   <p:sldLayoutIdLst>
     <p:sldLayoutId id="2147483649" r:id="rId1"/>
-    <p:sldLayoutId id="2147483650" r:id="rId3"/>
-    <p:sldLayoutId id="2147483651" r:id="rId4"/>
-    <p:sldLayoutId id="2147483652" r:id="rId5"/>
-    <p:sldLayoutId id="2147483653" r:id="rId6"/>
-    <p:sldLayoutId id="2147483654" r:id="rId7"/>
-    <p:sldLayoutId id="2147483655" r:id="rId8"/>
-    <p:sldLayoutId id="2147483656" r:id="rId9"/>
-    <p:sldLayoutId id="2147483657" r:id="rId10"/>
-    <p:sldLayoutId id="2147483658" r:id="rId11"/>
-    <p:sldLayoutId id="2147483659" r:id="rId12"/>
+    <p:sldLayoutId id="2147483650" r:id="rId2"/>
+    <p:sldLayoutId id="2147483651" r:id="rId3"/>
+    <p:sldLayoutId id="2147483652" r:id="rId4"/>
+    <p:sldLayoutId id="2147483653" r:id="rId5"/>
+    <p:sldLayoutId id="2147483654" r:id="rId6"/>
+    <p:sldLayoutId id="2147483655" r:id="rId7"/>
+    <p:sldLayoutId id="2147483656" r:id="rId8"/>
+    <p:sldLayoutId id="2147483657" r:id="rId9"/>
+    <p:sldLayoutId id="2147483658" r:id="rId10"/>
+    <p:sldLayoutId id="2147483659" r:id="rId11"/>
   </p:sldLayoutIdLst>
   <p:txStyles>
     <p:titleStyle>
@@ -4119,7 +4109,13 @@
       </p:grpSp>
       <p:pic>
         <p:nvPicPr>
-          <p:cNvPr id="10" name="Object 9"/>
+          <p:cNvPr id="9" name="Object 9">
+            <a:extLst>
+              <a:ext uri="{FF2B5EF4-FFF2-40B4-BE49-F238E27FC236}">
+                <a16:creationId xmlns:a16="http://schemas.microsoft.com/office/drawing/2014/main" id="{25261C2F-DD4C-4862-A0D9-345F47A2541A}"/>
+              </a:ext>
+            </a:extLst>
+          </p:cNvPr>
           <p:cNvPicPr>
             <a:picLocks noChangeAspect="1"/>
           </p:cNvPicPr>
@@ -4133,8 +4129,8 @@
         </p:blipFill>
         <p:spPr>
           <a:xfrm>
-            <a:off x="5700771" y="2583777"/>
-            <a:ext cx="6912359" cy="914263"/>
+            <a:off x="5687818" y="2466283"/>
+            <a:ext cx="6912363" cy="920686"/>
           </a:xfrm>
           <a:prstGeom prst="rect">
             <a:avLst/>
